--- a/Art Design/PitchPresentation/Hakurei Talisman Factory.pptx
+++ b/Art Design/PitchPresentation/Hakurei Talisman Factory.pptx
@@ -1,6 +1,6 @@
 
 <file path=ppt/presentation.xml><?xml version="1.0" encoding="utf-8"?>
-<p:presentation xmlns:a="http://schemas.openxmlformats.org/drawingml/2006/main" xmlns:r="http://schemas.openxmlformats.org/officeDocument/2006/relationships" xmlns:p="http://schemas.openxmlformats.org/presentationml/2006/main" strictFirstAndLastChars="0" embedTrueTypeFonts="1" saveSubsetFonts="1" autoCompressPictures="0">
+<p:presentation xmlns:a="http://schemas.openxmlformats.org/drawingml/2006/main" xmlns:r="http://schemas.openxmlformats.org/officeDocument/2006/relationships" xmlns:p="http://schemas.openxmlformats.org/presentationml/2006/main" strictFirstAndLastChars="0" saveSubsetFonts="1" autoCompressPictures="0">
   <p:sldMasterIdLst>
     <p:sldMasterId id="2147483659" r:id="rId1"/>
   </p:sldMasterIdLst>
@@ -25,19 +25,6 @@
   </p:sldIdLst>
   <p:sldSz cx="9144000" cy="5143500" type="screen16x9"/>
   <p:notesSz cx="6858000" cy="9144000"/>
-  <p:embeddedFontLst>
-    <p:embeddedFont>
-      <p:font typeface="Poiret One" panose="020B0604020202020204" charset="0"/>
-      <p:regular r:id="rId17"/>
-    </p:embeddedFont>
-    <p:embeddedFont>
-      <p:font typeface="Playfair Display"/>
-      <p:regular r:id="rId18"/>
-      <p:bold r:id="rId19"/>
-      <p:italic r:id="rId20"/>
-      <p:boldItalic r:id="rId21"/>
-    </p:embeddedFont>
-  </p:embeddedFontLst>
   <p:defaultTextStyle>
     <a:defPPr marR="0" lvl="0" algn="l" rtl="0">
       <a:lnSpc>
@@ -599,7 +586,19 @@
               </a:spcBef>
               <a:buNone/>
             </a:pPr>
-            <a:endParaRPr/>
+            <a:r>
+              <a:rPr lang="en-US" sz="1100" kern="1200" dirty="0" smtClean="0">
+                <a:solidFill>
+                  <a:schemeClr val="tx1"/>
+                </a:solidFill>
+                <a:effectLst/>
+                <a:latin typeface="+mn-lt"/>
+                <a:ea typeface="+mn-ea"/>
+                <a:cs typeface="+mn-cs"/>
+              </a:rPr>
+              <a:t>It is an organization created a series of very popular shooting games. </a:t>
+            </a:r>
+            <a:endParaRPr dirty="0"/>
           </a:p>
         </p:txBody>
       </p:sp>
@@ -795,6 +794,19 @@
               <a:rPr lang="en" dirty="0"/>
               <a:t>game of revolution and uprising. It is also VR compatible. </a:t>
             </a:r>
+            <a:r>
+              <a:rPr lang="en-US" sz="1100" kern="1200" dirty="0" smtClean="0">
+                <a:solidFill>
+                  <a:schemeClr val="tx1"/>
+                </a:solidFill>
+                <a:effectLst/>
+                <a:latin typeface="+mn-lt"/>
+                <a:ea typeface="+mn-ea"/>
+                <a:cs typeface="+mn-cs"/>
+              </a:rPr>
+              <a:t>Our game presented here is a fan fiction derived from Team Shanghai Alice works. we do not have to worry character design so we may focus on mechanics. Second, we are able to attract certain fans, which is beneficial to our market performance. Essentially, these characters presented in game can be anyone. Namely John Galt revolt against the incompetent government. </a:t>
+            </a:r>
+            <a:endParaRPr lang="en" dirty="0"/>
           </a:p>
         </p:txBody>
       </p:sp>
@@ -912,7 +924,7 @@
               <a:buNone/>
             </a:pPr>
             <a:r>
-              <a:rPr lang="en" sz="1800">
+              <a:rPr lang="en" sz="1800" dirty="0">
                 <a:solidFill>
                   <a:schemeClr val="dk2"/>
                 </a:solidFill>
@@ -931,7 +943,7 @@
               </a:spcBef>
               <a:buNone/>
             </a:pPr>
-            <a:endParaRPr/>
+            <a:endParaRPr dirty="0"/>
           </a:p>
         </p:txBody>
       </p:sp>
@@ -1038,7 +1050,7 @@
               <a:buNone/>
             </a:pPr>
             <a:r>
-              <a:rPr lang="en"/>
+              <a:rPr lang="en" dirty="0"/>
               <a:t>The game is a historical reference to Japanese communism movement after WW2. Thus, relics from that era may be featured in the game as player appearance customization options. </a:t>
             </a:r>
           </a:p>
@@ -1147,7 +1159,7 @@
               <a:buNone/>
             </a:pPr>
             <a:r>
-              <a:rPr lang="en"/>
+              <a:rPr lang="en" dirty="0"/>
               <a:t>After the narrative background of this game, the gameplay mechanic comes next. </a:t>
             </a:r>
           </a:p>
@@ -1159,9 +1171,22 @@
               <a:buNone/>
             </a:pPr>
             <a:r>
-              <a:rPr lang="en"/>
-              <a:t>Seize Reimu’s talisman to fight against her! Players can obtain these unfinished talismans from any assembly line in the factory and customize them as weapons. </a:t>
+              <a:rPr lang="en" dirty="0"/>
+              <a:t>Seize </a:t>
             </a:r>
+            <a:r>
+              <a:rPr lang="en" dirty="0" err="1"/>
+              <a:t>Reimu’s</a:t>
+            </a:r>
+            <a:r>
+              <a:rPr lang="en" dirty="0"/>
+              <a:t> talisman to fight against her! Players can obtain these unfinished talismans from any assembly line in the factory and customize them as weapons</a:t>
+            </a:r>
+            <a:r>
+              <a:rPr lang="en" dirty="0" smtClean="0"/>
+              <a:t>.</a:t>
+            </a:r>
+            <a:endParaRPr lang="en" dirty="0"/>
           </a:p>
         </p:txBody>
       </p:sp>
@@ -5099,7 +5124,7 @@
                 <a:cs typeface="Playfair Display"/>
                 <a:sym typeface="Playfair Display"/>
               </a:rPr>
-              <a:t>Can VR to be a Daily device?</a:t>
+              <a:t>Can VR be a Daily device?</a:t>
             </a:r>
             <a:endParaRPr lang="zh-CN" altLang="en-US" sz="1800" dirty="0">
               <a:solidFill>
